--- a/개인프로젝트.pptx
+++ b/개인프로젝트.pptx
@@ -10,6 +10,8 @@
     <p:sldId id="258" r:id="rId4"/>
     <p:sldId id="259" r:id="rId5"/>
     <p:sldId id="260" r:id="rId6"/>
+    <p:sldId id="261" r:id="rId7"/>
+    <p:sldId id="262" r:id="rId8"/>
   </p:sldIdLst>
   <p:sldSz cx="12192000" cy="6858000"/>
   <p:notesSz cx="6858000" cy="9144000"/>
@@ -108,6 +110,11 @@
       </a:defRPr>
     </a:lvl9pPr>
   </p:defaultTextStyle>
+  <p:extLst>
+    <p:ext uri="{EFAFB233-063F-42B5-8137-9DF3F51BA10A}">
+      <p15:sldGuideLst xmlns:p15="http://schemas.microsoft.com/office/powerpoint/2012/main"/>
+    </p:ext>
+  </p:extLst>
 </p:presentation>
 </file>
 
@@ -258,7 +265,7 @@
           <a:p>
             <a:fld id="{D0307A61-F8D4-41FA-B87F-8C77FB1094D4}" type="datetimeFigureOut">
               <a:rPr lang="ko-KR" altLang="en-US" smtClean="0"/>
-              <a:t>2025-03-07</a:t>
+              <a:t>2025-03-08</a:t>
             </a:fld>
             <a:endParaRPr lang="ko-KR" altLang="en-US"/>
           </a:p>
@@ -456,7 +463,7 @@
           <a:p>
             <a:fld id="{D0307A61-F8D4-41FA-B87F-8C77FB1094D4}" type="datetimeFigureOut">
               <a:rPr lang="ko-KR" altLang="en-US" smtClean="0"/>
-              <a:t>2025-03-07</a:t>
+              <a:t>2025-03-08</a:t>
             </a:fld>
             <a:endParaRPr lang="ko-KR" altLang="en-US"/>
           </a:p>
@@ -664,7 +671,7 @@
           <a:p>
             <a:fld id="{D0307A61-F8D4-41FA-B87F-8C77FB1094D4}" type="datetimeFigureOut">
               <a:rPr lang="ko-KR" altLang="en-US" smtClean="0"/>
-              <a:t>2025-03-07</a:t>
+              <a:t>2025-03-08</a:t>
             </a:fld>
             <a:endParaRPr lang="ko-KR" altLang="en-US"/>
           </a:p>
@@ -862,7 +869,7 @@
           <a:p>
             <a:fld id="{D0307A61-F8D4-41FA-B87F-8C77FB1094D4}" type="datetimeFigureOut">
               <a:rPr lang="ko-KR" altLang="en-US" smtClean="0"/>
-              <a:t>2025-03-07</a:t>
+              <a:t>2025-03-08</a:t>
             </a:fld>
             <a:endParaRPr lang="ko-KR" altLang="en-US"/>
           </a:p>
@@ -1137,7 +1144,7 @@
           <a:p>
             <a:fld id="{D0307A61-F8D4-41FA-B87F-8C77FB1094D4}" type="datetimeFigureOut">
               <a:rPr lang="ko-KR" altLang="en-US" smtClean="0"/>
-              <a:t>2025-03-07</a:t>
+              <a:t>2025-03-08</a:t>
             </a:fld>
             <a:endParaRPr lang="ko-KR" altLang="en-US"/>
           </a:p>
@@ -1402,7 +1409,7 @@
           <a:p>
             <a:fld id="{D0307A61-F8D4-41FA-B87F-8C77FB1094D4}" type="datetimeFigureOut">
               <a:rPr lang="ko-KR" altLang="en-US" smtClean="0"/>
-              <a:t>2025-03-07</a:t>
+              <a:t>2025-03-08</a:t>
             </a:fld>
             <a:endParaRPr lang="ko-KR" altLang="en-US"/>
           </a:p>
@@ -1814,7 +1821,7 @@
           <a:p>
             <a:fld id="{D0307A61-F8D4-41FA-B87F-8C77FB1094D4}" type="datetimeFigureOut">
               <a:rPr lang="ko-KR" altLang="en-US" smtClean="0"/>
-              <a:t>2025-03-07</a:t>
+              <a:t>2025-03-08</a:t>
             </a:fld>
             <a:endParaRPr lang="ko-KR" altLang="en-US"/>
           </a:p>
@@ -1955,7 +1962,7 @@
           <a:p>
             <a:fld id="{D0307A61-F8D4-41FA-B87F-8C77FB1094D4}" type="datetimeFigureOut">
               <a:rPr lang="ko-KR" altLang="en-US" smtClean="0"/>
-              <a:t>2025-03-07</a:t>
+              <a:t>2025-03-08</a:t>
             </a:fld>
             <a:endParaRPr lang="ko-KR" altLang="en-US"/>
           </a:p>
@@ -2068,7 +2075,7 @@
           <a:p>
             <a:fld id="{D0307A61-F8D4-41FA-B87F-8C77FB1094D4}" type="datetimeFigureOut">
               <a:rPr lang="ko-KR" altLang="en-US" smtClean="0"/>
-              <a:t>2025-03-07</a:t>
+              <a:t>2025-03-08</a:t>
             </a:fld>
             <a:endParaRPr lang="ko-KR" altLang="en-US"/>
           </a:p>
@@ -2379,7 +2386,7 @@
           <a:p>
             <a:fld id="{D0307A61-F8D4-41FA-B87F-8C77FB1094D4}" type="datetimeFigureOut">
               <a:rPr lang="ko-KR" altLang="en-US" smtClean="0"/>
-              <a:t>2025-03-07</a:t>
+              <a:t>2025-03-08</a:t>
             </a:fld>
             <a:endParaRPr lang="ko-KR" altLang="en-US"/>
           </a:p>
@@ -2667,7 +2674,7 @@
           <a:p>
             <a:fld id="{D0307A61-F8D4-41FA-B87F-8C77FB1094D4}" type="datetimeFigureOut">
               <a:rPr lang="ko-KR" altLang="en-US" smtClean="0"/>
-              <a:t>2025-03-07</a:t>
+              <a:t>2025-03-08</a:t>
             </a:fld>
             <a:endParaRPr lang="ko-KR" altLang="en-US"/>
           </a:p>
@@ -2908,7 +2915,7 @@
           <a:p>
             <a:fld id="{D0307A61-F8D4-41FA-B87F-8C77FB1094D4}" type="datetimeFigureOut">
               <a:rPr lang="ko-KR" altLang="en-US" smtClean="0"/>
-              <a:t>2025-03-07</a:t>
+              <a:t>2025-03-08</a:t>
             </a:fld>
             <a:endParaRPr lang="ko-KR" altLang="en-US"/>
           </a:p>
@@ -5283,6 +5290,818 @@
     <p:extLst>
       <p:ext uri="{BB962C8B-B14F-4D97-AF65-F5344CB8AC3E}">
         <p14:creationId xmlns:p14="http://schemas.microsoft.com/office/powerpoint/2010/main" val="1295236705"/>
+      </p:ext>
+    </p:extLst>
+  </p:cSld>
+  <p:clrMapOvr>
+    <a:masterClrMapping/>
+  </p:clrMapOvr>
+</p:sld>
+</file>
+
+<file path=ppt/slides/slide6.xml><?xml version="1.0" encoding="utf-8"?>
+<p:sld xmlns:a="http://schemas.openxmlformats.org/drawingml/2006/main" xmlns:r="http://schemas.openxmlformats.org/officeDocument/2006/relationships" xmlns:p="http://schemas.openxmlformats.org/presentationml/2006/main">
+  <p:cSld>
+    <p:spTree>
+      <p:nvGrpSpPr>
+        <p:cNvPr id="1" name=""/>
+        <p:cNvGrpSpPr/>
+        <p:nvPr/>
+      </p:nvGrpSpPr>
+      <p:grpSpPr>
+        <a:xfrm>
+          <a:off x="0" y="0"/>
+          <a:ext cx="0" cy="0"/>
+          <a:chOff x="0" y="0"/>
+          <a:chExt cx="0" cy="0"/>
+        </a:xfrm>
+      </p:grpSpPr>
+      <p:sp>
+        <p:nvSpPr>
+          <p:cNvPr id="2" name="제목 1">
+            <a:extLst>
+              <a:ext uri="{FF2B5EF4-FFF2-40B4-BE49-F238E27FC236}">
+                <a16:creationId xmlns:a16="http://schemas.microsoft.com/office/drawing/2014/main" id="{EDBD24E9-8E2A-F4F1-FF18-169B110B5810}"/>
+              </a:ext>
+            </a:extLst>
+          </p:cNvPr>
+          <p:cNvSpPr>
+            <a:spLocks noGrp="1"/>
+          </p:cNvSpPr>
+          <p:nvPr>
+            <p:ph type="title"/>
+          </p:nvPr>
+        </p:nvSpPr>
+        <p:spPr/>
+        <p:txBody>
+          <a:bodyPr/>
+          <a:lstStyle/>
+          <a:p>
+            <a:r>
+              <a:rPr lang="ko-KR" altLang="en-US" dirty="0"/>
+              <a:t>구조</a:t>
+            </a:r>
+          </a:p>
+        </p:txBody>
+      </p:sp>
+      <p:sp>
+        <p:nvSpPr>
+          <p:cNvPr id="4" name="사각형: 둥근 모서리 3">
+            <a:extLst>
+              <a:ext uri="{FF2B5EF4-FFF2-40B4-BE49-F238E27FC236}">
+                <a16:creationId xmlns:a16="http://schemas.microsoft.com/office/drawing/2014/main" id="{AAE6FD68-E554-04D3-935D-89E0AB0F52EB}"/>
+              </a:ext>
+            </a:extLst>
+          </p:cNvPr>
+          <p:cNvSpPr/>
+          <p:nvPr/>
+        </p:nvSpPr>
+        <p:spPr>
+          <a:xfrm>
+            <a:off x="838200" y="1759789"/>
+            <a:ext cx="4734464" cy="4652513"/>
+          </a:xfrm>
+          <a:prstGeom prst="roundRect">
+            <a:avLst/>
+          </a:prstGeom>
+          <a:solidFill>
+            <a:schemeClr val="accent6">
+              <a:lumMod val="20000"/>
+              <a:lumOff val="80000"/>
+            </a:schemeClr>
+          </a:solidFill>
+        </p:spPr>
+        <p:style>
+          <a:lnRef idx="2">
+            <a:schemeClr val="accent1">
+              <a:shade val="15000"/>
+            </a:schemeClr>
+          </a:lnRef>
+          <a:fillRef idx="1">
+            <a:schemeClr val="accent1"/>
+          </a:fillRef>
+          <a:effectRef idx="0">
+            <a:schemeClr val="accent1"/>
+          </a:effectRef>
+          <a:fontRef idx="minor">
+            <a:schemeClr val="lt1"/>
+          </a:fontRef>
+        </p:style>
+        <p:txBody>
+          <a:bodyPr rtlCol="0" anchor="ctr"/>
+          <a:lstStyle/>
+          <a:p>
+            <a:pPr algn="ctr"/>
+            <a:r>
+              <a:rPr lang="ko-KR" altLang="en-US" dirty="0" err="1">
+                <a:solidFill>
+                  <a:schemeClr val="tx1"/>
+                </a:solidFill>
+              </a:rPr>
+              <a:t>프론트엔드</a:t>
+            </a:r>
+            <a:endParaRPr lang="en-US" altLang="ko-KR" dirty="0">
+              <a:solidFill>
+                <a:schemeClr val="tx1"/>
+              </a:solidFill>
+            </a:endParaRPr>
+          </a:p>
+          <a:p>
+            <a:pPr algn="ctr"/>
+            <a:endParaRPr lang="en-US" altLang="ko-KR" dirty="0">
+              <a:solidFill>
+                <a:schemeClr val="tx1"/>
+              </a:solidFill>
+            </a:endParaRPr>
+          </a:p>
+          <a:p>
+            <a:pPr algn="ctr"/>
+            <a:endParaRPr lang="en-US" altLang="ko-KR" dirty="0">
+              <a:solidFill>
+                <a:schemeClr val="tx1"/>
+              </a:solidFill>
+            </a:endParaRPr>
+          </a:p>
+          <a:p>
+            <a:pPr algn="ctr"/>
+            <a:endParaRPr lang="en-US" altLang="ko-KR" dirty="0">
+              <a:solidFill>
+                <a:schemeClr val="tx1"/>
+              </a:solidFill>
+            </a:endParaRPr>
+          </a:p>
+          <a:p>
+            <a:pPr algn="ctr"/>
+            <a:endParaRPr lang="en-US" altLang="ko-KR" dirty="0">
+              <a:solidFill>
+                <a:schemeClr val="tx1"/>
+              </a:solidFill>
+            </a:endParaRPr>
+          </a:p>
+          <a:p>
+            <a:pPr algn="ctr"/>
+            <a:endParaRPr lang="en-US" altLang="ko-KR" dirty="0">
+              <a:solidFill>
+                <a:schemeClr val="tx1"/>
+              </a:solidFill>
+            </a:endParaRPr>
+          </a:p>
+          <a:p>
+            <a:pPr algn="ctr"/>
+            <a:endParaRPr lang="en-US" altLang="ko-KR" dirty="0">
+              <a:solidFill>
+                <a:schemeClr val="tx1"/>
+              </a:solidFill>
+            </a:endParaRPr>
+          </a:p>
+          <a:p>
+            <a:pPr algn="ctr"/>
+            <a:endParaRPr lang="en-US" altLang="ko-KR" dirty="0">
+              <a:solidFill>
+                <a:schemeClr val="tx1"/>
+              </a:solidFill>
+            </a:endParaRPr>
+          </a:p>
+          <a:p>
+            <a:pPr algn="ctr"/>
+            <a:endParaRPr lang="en-US" altLang="ko-KR" dirty="0">
+              <a:solidFill>
+                <a:schemeClr val="tx1"/>
+              </a:solidFill>
+            </a:endParaRPr>
+          </a:p>
+          <a:p>
+            <a:pPr algn="ctr"/>
+            <a:endParaRPr lang="en-US" altLang="ko-KR" dirty="0">
+              <a:solidFill>
+                <a:schemeClr val="tx1"/>
+              </a:solidFill>
+            </a:endParaRPr>
+          </a:p>
+          <a:p>
+            <a:pPr algn="ctr"/>
+            <a:endParaRPr lang="en-US" altLang="ko-KR" dirty="0">
+              <a:solidFill>
+                <a:schemeClr val="tx1"/>
+              </a:solidFill>
+            </a:endParaRPr>
+          </a:p>
+          <a:p>
+            <a:pPr algn="ctr"/>
+            <a:endParaRPr lang="en-US" altLang="ko-KR" dirty="0">
+              <a:solidFill>
+                <a:schemeClr val="tx1"/>
+              </a:solidFill>
+            </a:endParaRPr>
+          </a:p>
+          <a:p>
+            <a:pPr algn="ctr"/>
+            <a:endParaRPr lang="en-US" altLang="ko-KR" dirty="0">
+              <a:solidFill>
+                <a:schemeClr val="tx1"/>
+              </a:solidFill>
+            </a:endParaRPr>
+          </a:p>
+          <a:p>
+            <a:pPr algn="ctr"/>
+            <a:endParaRPr lang="en-US" altLang="ko-KR" dirty="0">
+              <a:solidFill>
+                <a:schemeClr val="tx1"/>
+              </a:solidFill>
+            </a:endParaRPr>
+          </a:p>
+          <a:p>
+            <a:pPr algn="ctr"/>
+            <a:endParaRPr lang="en-US" altLang="ko-KR" dirty="0">
+              <a:solidFill>
+                <a:schemeClr val="tx1"/>
+              </a:solidFill>
+            </a:endParaRPr>
+          </a:p>
+          <a:p>
+            <a:pPr algn="ctr"/>
+            <a:endParaRPr lang="ko-KR" altLang="en-US" dirty="0">
+              <a:solidFill>
+                <a:schemeClr val="tx1"/>
+              </a:solidFill>
+            </a:endParaRPr>
+          </a:p>
+        </p:txBody>
+      </p:sp>
+      <p:sp>
+        <p:nvSpPr>
+          <p:cNvPr id="5" name="사각형: 둥근 모서리 4">
+            <a:extLst>
+              <a:ext uri="{FF2B5EF4-FFF2-40B4-BE49-F238E27FC236}">
+                <a16:creationId xmlns:a16="http://schemas.microsoft.com/office/drawing/2014/main" id="{01B287C6-1699-75B3-3614-1B831F5239A0}"/>
+              </a:ext>
+            </a:extLst>
+          </p:cNvPr>
+          <p:cNvSpPr/>
+          <p:nvPr/>
+        </p:nvSpPr>
+        <p:spPr>
+          <a:xfrm>
+            <a:off x="6466938" y="1759788"/>
+            <a:ext cx="4734464" cy="4652513"/>
+          </a:xfrm>
+          <a:prstGeom prst="roundRect">
+            <a:avLst/>
+          </a:prstGeom>
+          <a:solidFill>
+            <a:schemeClr val="accent2">
+              <a:lumMod val="20000"/>
+              <a:lumOff val="80000"/>
+            </a:schemeClr>
+          </a:solidFill>
+        </p:spPr>
+        <p:style>
+          <a:lnRef idx="2">
+            <a:schemeClr val="accent1">
+              <a:shade val="15000"/>
+            </a:schemeClr>
+          </a:lnRef>
+          <a:fillRef idx="1">
+            <a:schemeClr val="accent1"/>
+          </a:fillRef>
+          <a:effectRef idx="0">
+            <a:schemeClr val="accent1"/>
+          </a:effectRef>
+          <a:fontRef idx="minor">
+            <a:schemeClr val="lt1"/>
+          </a:fontRef>
+        </p:style>
+        <p:txBody>
+          <a:bodyPr rtlCol="0" anchor="ctr"/>
+          <a:lstStyle/>
+          <a:p>
+            <a:pPr algn="ctr"/>
+            <a:r>
+              <a:rPr lang="ko-KR" altLang="en-US" dirty="0" err="1">
+                <a:solidFill>
+                  <a:schemeClr val="tx1"/>
+                </a:solidFill>
+              </a:rPr>
+              <a:t>백엔드</a:t>
+            </a:r>
+            <a:endParaRPr lang="en-US" altLang="ko-KR" dirty="0">
+              <a:solidFill>
+                <a:schemeClr val="tx1"/>
+              </a:solidFill>
+            </a:endParaRPr>
+          </a:p>
+          <a:p>
+            <a:pPr algn="ctr"/>
+            <a:endParaRPr lang="en-US" altLang="ko-KR" dirty="0">
+              <a:solidFill>
+                <a:schemeClr val="tx1"/>
+              </a:solidFill>
+            </a:endParaRPr>
+          </a:p>
+          <a:p>
+            <a:pPr algn="ctr"/>
+            <a:endParaRPr lang="en-US" altLang="ko-KR" dirty="0">
+              <a:solidFill>
+                <a:schemeClr val="tx1"/>
+              </a:solidFill>
+            </a:endParaRPr>
+          </a:p>
+          <a:p>
+            <a:pPr algn="ctr"/>
+            <a:endParaRPr lang="en-US" altLang="ko-KR" dirty="0">
+              <a:solidFill>
+                <a:schemeClr val="tx1"/>
+              </a:solidFill>
+            </a:endParaRPr>
+          </a:p>
+          <a:p>
+            <a:pPr algn="ctr"/>
+            <a:endParaRPr lang="en-US" altLang="ko-KR" dirty="0">
+              <a:solidFill>
+                <a:schemeClr val="tx1"/>
+              </a:solidFill>
+            </a:endParaRPr>
+          </a:p>
+          <a:p>
+            <a:pPr algn="ctr"/>
+            <a:endParaRPr lang="en-US" altLang="ko-KR" dirty="0">
+              <a:solidFill>
+                <a:schemeClr val="tx1"/>
+              </a:solidFill>
+            </a:endParaRPr>
+          </a:p>
+          <a:p>
+            <a:pPr algn="ctr"/>
+            <a:endParaRPr lang="en-US" altLang="ko-KR" dirty="0">
+              <a:solidFill>
+                <a:schemeClr val="tx1"/>
+              </a:solidFill>
+            </a:endParaRPr>
+          </a:p>
+          <a:p>
+            <a:pPr algn="ctr"/>
+            <a:endParaRPr lang="en-US" altLang="ko-KR" dirty="0">
+              <a:solidFill>
+                <a:schemeClr val="tx1"/>
+              </a:solidFill>
+            </a:endParaRPr>
+          </a:p>
+          <a:p>
+            <a:pPr algn="ctr"/>
+            <a:endParaRPr lang="en-US" altLang="ko-KR" dirty="0">
+              <a:solidFill>
+                <a:schemeClr val="tx1"/>
+              </a:solidFill>
+            </a:endParaRPr>
+          </a:p>
+          <a:p>
+            <a:pPr algn="ctr"/>
+            <a:endParaRPr lang="en-US" altLang="ko-KR" dirty="0">
+              <a:solidFill>
+                <a:schemeClr val="tx1"/>
+              </a:solidFill>
+            </a:endParaRPr>
+          </a:p>
+          <a:p>
+            <a:pPr algn="ctr"/>
+            <a:endParaRPr lang="en-US" altLang="ko-KR" dirty="0">
+              <a:solidFill>
+                <a:schemeClr val="tx1"/>
+              </a:solidFill>
+            </a:endParaRPr>
+          </a:p>
+          <a:p>
+            <a:pPr algn="ctr"/>
+            <a:endParaRPr lang="en-US" altLang="ko-KR" dirty="0">
+              <a:solidFill>
+                <a:schemeClr val="tx1"/>
+              </a:solidFill>
+            </a:endParaRPr>
+          </a:p>
+          <a:p>
+            <a:pPr algn="ctr"/>
+            <a:endParaRPr lang="en-US" altLang="ko-KR" dirty="0">
+              <a:solidFill>
+                <a:schemeClr val="tx1"/>
+              </a:solidFill>
+            </a:endParaRPr>
+          </a:p>
+          <a:p>
+            <a:pPr algn="ctr"/>
+            <a:endParaRPr lang="en-US" altLang="ko-KR" dirty="0">
+              <a:solidFill>
+                <a:schemeClr val="tx1"/>
+              </a:solidFill>
+            </a:endParaRPr>
+          </a:p>
+          <a:p>
+            <a:pPr algn="ctr"/>
+            <a:endParaRPr lang="en-US" altLang="ko-KR" dirty="0">
+              <a:solidFill>
+                <a:schemeClr val="tx1"/>
+              </a:solidFill>
+            </a:endParaRPr>
+          </a:p>
+          <a:p>
+            <a:pPr algn="ctr"/>
+            <a:endParaRPr lang="ko-KR" altLang="en-US" dirty="0">
+              <a:solidFill>
+                <a:schemeClr val="tx1"/>
+              </a:solidFill>
+            </a:endParaRPr>
+          </a:p>
+        </p:txBody>
+      </p:sp>
+      <p:pic>
+        <p:nvPicPr>
+          <p:cNvPr id="7" name="그림 6">
+            <a:extLst>
+              <a:ext uri="{FF2B5EF4-FFF2-40B4-BE49-F238E27FC236}">
+                <a16:creationId xmlns:a16="http://schemas.microsoft.com/office/drawing/2014/main" id="{31281B4F-E749-49B2-2F4E-4B9A3D90D04C}"/>
+              </a:ext>
+            </a:extLst>
+          </p:cNvPr>
+          <p:cNvPicPr>
+            <a:picLocks noChangeAspect="1"/>
+          </p:cNvPicPr>
+          <p:nvPr/>
+        </p:nvPicPr>
+        <p:blipFill>
+          <a:blip r:embed="rId2"/>
+          <a:stretch>
+            <a:fillRect/>
+          </a:stretch>
+        </p:blipFill>
+        <p:spPr>
+          <a:xfrm>
+            <a:off x="6726385" y="2466582"/>
+            <a:ext cx="1853369" cy="820344"/>
+          </a:xfrm>
+          <a:prstGeom prst="rect">
+            <a:avLst/>
+          </a:prstGeom>
+        </p:spPr>
+      </p:pic>
+      <p:sp>
+        <p:nvSpPr>
+          <p:cNvPr id="10" name="순서도: 자기 디스크 9">
+            <a:extLst>
+              <a:ext uri="{FF2B5EF4-FFF2-40B4-BE49-F238E27FC236}">
+                <a16:creationId xmlns:a16="http://schemas.microsoft.com/office/drawing/2014/main" id="{0D5A692C-5FA1-18AB-107C-3D1DDACDB33D}"/>
+              </a:ext>
+            </a:extLst>
+          </p:cNvPr>
+          <p:cNvSpPr/>
+          <p:nvPr/>
+        </p:nvSpPr>
+        <p:spPr>
+          <a:xfrm>
+            <a:off x="7183650" y="4491573"/>
+            <a:ext cx="3426841" cy="1702278"/>
+          </a:xfrm>
+          <a:prstGeom prst="flowChartMagneticDisk">
+            <a:avLst/>
+          </a:prstGeom>
+          <a:solidFill>
+            <a:schemeClr val="accent4">
+              <a:lumMod val="40000"/>
+              <a:lumOff val="60000"/>
+            </a:schemeClr>
+          </a:solidFill>
+        </p:spPr>
+        <p:style>
+          <a:lnRef idx="2">
+            <a:schemeClr val="accent1">
+              <a:shade val="15000"/>
+            </a:schemeClr>
+          </a:lnRef>
+          <a:fillRef idx="1">
+            <a:schemeClr val="accent1"/>
+          </a:fillRef>
+          <a:effectRef idx="0">
+            <a:schemeClr val="accent1"/>
+          </a:effectRef>
+          <a:fontRef idx="minor">
+            <a:schemeClr val="lt1"/>
+          </a:fontRef>
+        </p:style>
+        <p:txBody>
+          <a:bodyPr rtlCol="0" anchor="ctr"/>
+          <a:lstStyle/>
+          <a:p>
+            <a:pPr algn="ctr"/>
+            <a:endParaRPr lang="ko-KR" altLang="en-US"/>
+          </a:p>
+        </p:txBody>
+      </p:sp>
+      <p:pic>
+        <p:nvPicPr>
+          <p:cNvPr id="9" name="그림 8">
+            <a:extLst>
+              <a:ext uri="{FF2B5EF4-FFF2-40B4-BE49-F238E27FC236}">
+                <a16:creationId xmlns:a16="http://schemas.microsoft.com/office/drawing/2014/main" id="{BC6C1F32-3C13-7C3B-94D2-4CC4CD9FC0C9}"/>
+              </a:ext>
+            </a:extLst>
+          </p:cNvPr>
+          <p:cNvPicPr>
+            <a:picLocks noChangeAspect="1"/>
+          </p:cNvPicPr>
+          <p:nvPr/>
+        </p:nvPicPr>
+        <p:blipFill>
+          <a:blip r:embed="rId3"/>
+          <a:stretch>
+            <a:fillRect/>
+          </a:stretch>
+        </p:blipFill>
+        <p:spPr>
+          <a:xfrm>
+            <a:off x="9015328" y="5152376"/>
+            <a:ext cx="1267359" cy="823444"/>
+          </a:xfrm>
+          <a:prstGeom prst="rect">
+            <a:avLst/>
+          </a:prstGeom>
+        </p:spPr>
+      </p:pic>
+      <p:sp>
+        <p:nvSpPr>
+          <p:cNvPr id="11" name="TextBox 10">
+            <a:extLst>
+              <a:ext uri="{FF2B5EF4-FFF2-40B4-BE49-F238E27FC236}">
+                <a16:creationId xmlns:a16="http://schemas.microsoft.com/office/drawing/2014/main" id="{D5E77912-9A18-D21A-91B3-049064E26673}"/>
+              </a:ext>
+            </a:extLst>
+          </p:cNvPr>
+          <p:cNvSpPr txBox="1"/>
+          <p:nvPr/>
+        </p:nvSpPr>
+        <p:spPr>
+          <a:xfrm>
+            <a:off x="8201914" y="4552304"/>
+            <a:ext cx="1148071" cy="369332"/>
+          </a:xfrm>
+          <a:prstGeom prst="rect">
+            <a:avLst/>
+          </a:prstGeom>
+          <a:noFill/>
+        </p:spPr>
+        <p:txBody>
+          <a:bodyPr wrap="none" rtlCol="0">
+            <a:spAutoFit/>
+          </a:bodyPr>
+          <a:lstStyle/>
+          <a:p>
+            <a:r>
+              <a:rPr lang="en-US" altLang="ko-KR" dirty="0" err="1"/>
+              <a:t>DataBase</a:t>
+            </a:r>
+            <a:endParaRPr lang="en-US" altLang="ko-KR" dirty="0"/>
+          </a:p>
+        </p:txBody>
+      </p:sp>
+      <p:pic>
+        <p:nvPicPr>
+          <p:cNvPr id="13" name="그림 12">
+            <a:extLst>
+              <a:ext uri="{FF2B5EF4-FFF2-40B4-BE49-F238E27FC236}">
+                <a16:creationId xmlns:a16="http://schemas.microsoft.com/office/drawing/2014/main" id="{1AA8FD14-CE37-0FA8-9462-E6C8A998FECC}"/>
+              </a:ext>
+            </a:extLst>
+          </p:cNvPr>
+          <p:cNvPicPr>
+            <a:picLocks noChangeAspect="1"/>
+          </p:cNvPicPr>
+          <p:nvPr/>
+        </p:nvPicPr>
+        <p:blipFill>
+          <a:blip r:embed="rId4"/>
+          <a:stretch>
+            <a:fillRect/>
+          </a:stretch>
+        </p:blipFill>
+        <p:spPr>
+          <a:xfrm>
+            <a:off x="3979650" y="2577682"/>
+            <a:ext cx="1288661" cy="1445873"/>
+          </a:xfrm>
+          <a:prstGeom prst="rect">
+            <a:avLst/>
+          </a:prstGeom>
+        </p:spPr>
+      </p:pic>
+      <p:pic>
+        <p:nvPicPr>
+          <p:cNvPr id="15" name="그림 14">
+            <a:extLst>
+              <a:ext uri="{FF2B5EF4-FFF2-40B4-BE49-F238E27FC236}">
+                <a16:creationId xmlns:a16="http://schemas.microsoft.com/office/drawing/2014/main" id="{FBBB2C50-2C52-A739-8FB2-5BC31138494D}"/>
+              </a:ext>
+            </a:extLst>
+          </p:cNvPr>
+          <p:cNvPicPr>
+            <a:picLocks noChangeAspect="1"/>
+          </p:cNvPicPr>
+          <p:nvPr/>
+        </p:nvPicPr>
+        <p:blipFill>
+          <a:blip r:embed="rId5"/>
+          <a:stretch>
+            <a:fillRect/>
+          </a:stretch>
+        </p:blipFill>
+        <p:spPr>
+          <a:xfrm>
+            <a:off x="1151290" y="2577682"/>
+            <a:ext cx="1094559" cy="1491823"/>
+          </a:xfrm>
+          <a:prstGeom prst="rect">
+            <a:avLst/>
+          </a:prstGeom>
+        </p:spPr>
+      </p:pic>
+      <p:pic>
+        <p:nvPicPr>
+          <p:cNvPr id="17" name="그림 16">
+            <a:extLst>
+              <a:ext uri="{FF2B5EF4-FFF2-40B4-BE49-F238E27FC236}">
+                <a16:creationId xmlns:a16="http://schemas.microsoft.com/office/drawing/2014/main" id="{2DC8093A-C884-B4DD-7C2E-176BEC228B11}"/>
+              </a:ext>
+            </a:extLst>
+          </p:cNvPr>
+          <p:cNvPicPr>
+            <a:picLocks noChangeAspect="1"/>
+          </p:cNvPicPr>
+          <p:nvPr/>
+        </p:nvPicPr>
+        <p:blipFill>
+          <a:blip r:embed="rId6"/>
+          <a:stretch>
+            <a:fillRect/>
+          </a:stretch>
+        </p:blipFill>
+        <p:spPr>
+          <a:xfrm>
+            <a:off x="2581944" y="2577682"/>
+            <a:ext cx="1116358" cy="1508362"/>
+          </a:xfrm>
+          <a:prstGeom prst="rect">
+            <a:avLst/>
+          </a:prstGeom>
+        </p:spPr>
+      </p:pic>
+      <p:pic>
+        <p:nvPicPr>
+          <p:cNvPr id="19" name="그림 18">
+            <a:extLst>
+              <a:ext uri="{FF2B5EF4-FFF2-40B4-BE49-F238E27FC236}">
+                <a16:creationId xmlns:a16="http://schemas.microsoft.com/office/drawing/2014/main" id="{8C573764-BB6E-85A8-EC8C-94B273ED6439}"/>
+              </a:ext>
+            </a:extLst>
+          </p:cNvPr>
+          <p:cNvPicPr>
+            <a:picLocks noChangeAspect="1"/>
+          </p:cNvPicPr>
+          <p:nvPr/>
+        </p:nvPicPr>
+        <p:blipFill>
+          <a:blip r:embed="rId7"/>
+          <a:stretch>
+            <a:fillRect/>
+          </a:stretch>
+        </p:blipFill>
+        <p:spPr>
+          <a:xfrm>
+            <a:off x="7658819" y="5152376"/>
+            <a:ext cx="829573" cy="847223"/>
+          </a:xfrm>
+          <a:prstGeom prst="rect">
+            <a:avLst/>
+          </a:prstGeom>
+        </p:spPr>
+      </p:pic>
+      <p:pic>
+        <p:nvPicPr>
+          <p:cNvPr id="21" name="그림 20">
+            <a:extLst>
+              <a:ext uri="{FF2B5EF4-FFF2-40B4-BE49-F238E27FC236}">
+                <a16:creationId xmlns:a16="http://schemas.microsoft.com/office/drawing/2014/main" id="{071A1F63-D29A-C5CF-21EA-CEFCF0CA9A0D}"/>
+              </a:ext>
+            </a:extLst>
+          </p:cNvPr>
+          <p:cNvPicPr>
+            <a:picLocks noChangeAspect="1"/>
+          </p:cNvPicPr>
+          <p:nvPr/>
+        </p:nvPicPr>
+        <p:blipFill>
+          <a:blip r:embed="rId8"/>
+          <a:stretch>
+            <a:fillRect/>
+          </a:stretch>
+        </p:blipFill>
+        <p:spPr>
+          <a:xfrm>
+            <a:off x="8979325" y="2466582"/>
+            <a:ext cx="1822506" cy="1190069"/>
+          </a:xfrm>
+          <a:prstGeom prst="rect">
+            <a:avLst/>
+          </a:prstGeom>
+        </p:spPr>
+      </p:pic>
+    </p:spTree>
+    <p:extLst>
+      <p:ext uri="{BB962C8B-B14F-4D97-AF65-F5344CB8AC3E}">
+        <p14:creationId xmlns:p14="http://schemas.microsoft.com/office/powerpoint/2010/main" val="185795516"/>
+      </p:ext>
+    </p:extLst>
+  </p:cSld>
+  <p:clrMapOvr>
+    <a:masterClrMapping/>
+  </p:clrMapOvr>
+</p:sld>
+</file>
+
+<file path=ppt/slides/slide7.xml><?xml version="1.0" encoding="utf-8"?>
+<p:sld xmlns:a="http://schemas.openxmlformats.org/drawingml/2006/main" xmlns:r="http://schemas.openxmlformats.org/officeDocument/2006/relationships" xmlns:p="http://schemas.openxmlformats.org/presentationml/2006/main">
+  <p:cSld>
+    <p:spTree>
+      <p:nvGrpSpPr>
+        <p:cNvPr id="1" name=""/>
+        <p:cNvGrpSpPr/>
+        <p:nvPr/>
+      </p:nvGrpSpPr>
+      <p:grpSpPr>
+        <a:xfrm>
+          <a:off x="0" y="0"/>
+          <a:ext cx="0" cy="0"/>
+          <a:chOff x="0" y="0"/>
+          <a:chExt cx="0" cy="0"/>
+        </a:xfrm>
+      </p:grpSpPr>
+      <p:sp>
+        <p:nvSpPr>
+          <p:cNvPr id="2" name="제목 1">
+            <a:extLst>
+              <a:ext uri="{FF2B5EF4-FFF2-40B4-BE49-F238E27FC236}">
+                <a16:creationId xmlns:a16="http://schemas.microsoft.com/office/drawing/2014/main" id="{EB87A45D-32B5-BBFE-9A5B-336AC1042E2F}"/>
+              </a:ext>
+            </a:extLst>
+          </p:cNvPr>
+          <p:cNvSpPr>
+            <a:spLocks noGrp="1"/>
+          </p:cNvSpPr>
+          <p:nvPr>
+            <p:ph type="title"/>
+          </p:nvPr>
+        </p:nvSpPr>
+        <p:spPr/>
+        <p:txBody>
+          <a:bodyPr/>
+          <a:lstStyle/>
+          <a:p>
+            <a:r>
+              <a:rPr lang="en-US" altLang="ko-KR" dirty="0"/>
+              <a:t>Rest API</a:t>
+            </a:r>
+            <a:endParaRPr lang="ko-KR" altLang="en-US" dirty="0"/>
+          </a:p>
+        </p:txBody>
+      </p:sp>
+      <p:pic>
+        <p:nvPicPr>
+          <p:cNvPr id="5" name="내용 개체 틀 4">
+            <a:extLst>
+              <a:ext uri="{FF2B5EF4-FFF2-40B4-BE49-F238E27FC236}">
+                <a16:creationId xmlns:a16="http://schemas.microsoft.com/office/drawing/2014/main" id="{7AF064DF-97A3-6B33-6C25-AD4EC0D4D418}"/>
+              </a:ext>
+            </a:extLst>
+          </p:cNvPr>
+          <p:cNvPicPr>
+            <a:picLocks noGrp="1" noChangeAspect="1"/>
+          </p:cNvPicPr>
+          <p:nvPr>
+            <p:ph idx="1"/>
+          </p:nvPr>
+        </p:nvPicPr>
+        <p:blipFill>
+          <a:blip r:embed="rId2"/>
+          <a:stretch>
+            <a:fillRect/>
+          </a:stretch>
+        </p:blipFill>
+        <p:spPr>
+          <a:xfrm>
+            <a:off x="2140758" y="1690688"/>
+            <a:ext cx="7910483" cy="4665014"/>
+          </a:xfrm>
+        </p:spPr>
+      </p:pic>
+    </p:spTree>
+    <p:extLst>
+      <p:ext uri="{BB962C8B-B14F-4D97-AF65-F5344CB8AC3E}">
+        <p14:creationId xmlns:p14="http://schemas.microsoft.com/office/powerpoint/2010/main" val="2893590292"/>
       </p:ext>
     </p:extLst>
   </p:cSld>
